--- a/analysis/fluorimeter/led filter present.pptx
+++ b/analysis/fluorimeter/led filter present.pptx
@@ -6,13 +6,14 @@
   </p:sldMasterIdLst>
   <p:sldIdLst>
     <p:sldId id="262" r:id="rId2"/>
-    <p:sldId id="263" r:id="rId3"/>
-    <p:sldId id="264" r:id="rId4"/>
-    <p:sldId id="257" r:id="rId5"/>
-    <p:sldId id="258" r:id="rId6"/>
-    <p:sldId id="259" r:id="rId7"/>
-    <p:sldId id="260" r:id="rId8"/>
-    <p:sldId id="261" r:id="rId9"/>
+    <p:sldId id="265" r:id="rId3"/>
+    <p:sldId id="257" r:id="rId4"/>
+    <p:sldId id="258" r:id="rId5"/>
+    <p:sldId id="259" r:id="rId6"/>
+    <p:sldId id="260" r:id="rId7"/>
+    <p:sldId id="263" r:id="rId8"/>
+    <p:sldId id="264" r:id="rId9"/>
+    <p:sldId id="261" r:id="rId10"/>
   </p:sldIdLst>
   <p:sldSz cx="12192000" cy="6858000"/>
   <p:notesSz cx="6858000" cy="9144000"/>
@@ -111,6 +112,11 @@
       </a:defRPr>
     </a:lvl9pPr>
   </p:defaultTextStyle>
+  <p:extLst>
+    <p:ext uri="{EFAFB233-063F-42B5-8137-9DF3F51BA10A}">
+      <p15:sldGuideLst xmlns:p15="http://schemas.microsoft.com/office/powerpoint/2012/main"/>
+    </p:ext>
+  </p:extLst>
 </p:presentation>
 </file>
 
@@ -3351,7 +3357,7 @@
           <a:p>
             <a:r>
               <a:rPr lang="en-US" dirty="0"/>
-              <a:t>We want to know</a:t>
+              <a:t>We want to know…</a:t>
             </a:r>
           </a:p>
         </p:txBody>
@@ -3376,6 +3382,15 @@
         <p:txBody>
           <a:bodyPr/>
           <a:lstStyle/>
+          <a:p>
+            <a:pPr marL="457200" lvl="1" indent="0">
+              <a:buNone/>
+            </a:pPr>
+            <a:r>
+              <a:rPr lang="en-US" b="1" dirty="0"/>
+              <a:t>Change LED and LED filter:</a:t>
+            </a:r>
+          </a:p>
           <a:p>
             <a:pPr lvl="1"/>
             <a:r>
@@ -3441,6 +3456,697 @@
           <p:cNvPr id="2" name="Title 1">
             <a:extLst>
               <a:ext uri="{FF2B5EF4-FFF2-40B4-BE49-F238E27FC236}">
+                <a16:creationId xmlns:a16="http://schemas.microsoft.com/office/drawing/2014/main" id="{1192FDE1-E6BF-F78D-233C-D39F01FAEF38}"/>
+              </a:ext>
+            </a:extLst>
+          </p:cNvPr>
+          <p:cNvSpPr>
+            <a:spLocks noGrp="1"/>
+          </p:cNvSpPr>
+          <p:nvPr>
+            <p:ph type="title"/>
+          </p:nvPr>
+        </p:nvSpPr>
+        <p:spPr/>
+        <p:txBody>
+          <a:bodyPr/>
+          <a:lstStyle/>
+          <a:p>
+            <a:r>
+              <a:rPr lang="en-US" dirty="0"/>
+              <a:t>Intro</a:t>
+            </a:r>
+          </a:p>
+        </p:txBody>
+      </p:sp>
+      <p:sp>
+        <p:nvSpPr>
+          <p:cNvPr id="3" name="Content Placeholder 2">
+            <a:extLst>
+              <a:ext uri="{FF2B5EF4-FFF2-40B4-BE49-F238E27FC236}">
+                <a16:creationId xmlns:a16="http://schemas.microsoft.com/office/drawing/2014/main" id="{149BE178-FFCB-2995-07B3-352571BAB607}"/>
+              </a:ext>
+            </a:extLst>
+          </p:cNvPr>
+          <p:cNvSpPr>
+            <a:spLocks noGrp="1"/>
+          </p:cNvSpPr>
+          <p:nvPr>
+            <p:ph sz="half" idx="1"/>
+          </p:nvPr>
+        </p:nvSpPr>
+        <p:spPr/>
+        <p:txBody>
+          <a:bodyPr>
+            <a:normAutofit/>
+          </a:bodyPr>
+          <a:lstStyle/>
+          <a:p>
+            <a:pPr marL="0" indent="0">
+              <a:buNone/>
+            </a:pPr>
+            <a:r>
+              <a:rPr lang="en-US" b="1" dirty="0"/>
+              <a:t>Background</a:t>
+            </a:r>
+          </a:p>
+          <a:p>
+            <a:r>
+              <a:rPr lang="en-US" dirty="0"/>
+              <a:t>7 instruments</a:t>
+            </a:r>
+          </a:p>
+          <a:p>
+            <a:pPr lvl="1"/>
+            <a:r>
+              <a:rPr lang="en-US" dirty="0"/>
+              <a:t>G04 (x5)</a:t>
+            </a:r>
+          </a:p>
+          <a:p>
+            <a:pPr lvl="1"/>
+            <a:r>
+              <a:rPr lang="en-US" dirty="0" err="1"/>
+              <a:t>InjMold</a:t>
+            </a:r>
+            <a:r>
+              <a:rPr lang="en-US" dirty="0"/>
+              <a:t> (x2)</a:t>
+            </a:r>
+          </a:p>
+          <a:p>
+            <a:r>
+              <a:rPr lang="en-US" dirty="0"/>
+              <a:t>Swap LED, LED filter</a:t>
+            </a:r>
+          </a:p>
+          <a:p>
+            <a:r>
+              <a:rPr lang="en-US" dirty="0"/>
+              <a:t>Covid</a:t>
+            </a:r>
+          </a:p>
+          <a:p>
+            <a:pPr lvl="1"/>
+            <a:r>
+              <a:rPr lang="en-US" sz="2000" dirty="0">
+                <a:effectLst/>
+                <a:latin typeface="Calibri" panose="020F0502020204030204" pitchFamily="34" charset="0"/>
+              </a:rPr>
+              <a:t>2.5 c/</a:t>
+            </a:r>
+            <a:r>
+              <a:rPr lang="en-US" sz="2000" dirty="0" err="1">
+                <a:effectLst/>
+                <a:latin typeface="Calibri" panose="020F0502020204030204" pitchFamily="34" charset="0"/>
+              </a:rPr>
+              <a:t>uL</a:t>
+            </a:r>
+            <a:r>
+              <a:rPr lang="en-US" sz="2000" dirty="0">
+                <a:effectLst/>
+                <a:latin typeface="Calibri" panose="020F0502020204030204" pitchFamily="34" charset="0"/>
+              </a:rPr>
+              <a:t> </a:t>
+            </a:r>
+            <a:r>
+              <a:rPr lang="en-US" sz="2000" dirty="0" err="1">
+                <a:effectLst/>
+                <a:latin typeface="Calibri" panose="020F0502020204030204" pitchFamily="34" charset="0"/>
+              </a:rPr>
+              <a:t>Zeptometrix</a:t>
+            </a:r>
+            <a:r>
+              <a:rPr lang="en-US" sz="2000" dirty="0">
+                <a:effectLst/>
+                <a:latin typeface="Calibri" panose="020F0502020204030204" pitchFamily="34" charset="0"/>
+              </a:rPr>
+              <a:t> </a:t>
+            </a:r>
+            <a:r>
+              <a:rPr lang="en-US" sz="2000" dirty="0" err="1">
+                <a:effectLst/>
+                <a:latin typeface="Calibri" panose="020F0502020204030204" pitchFamily="34" charset="0"/>
+              </a:rPr>
+              <a:t>NATtrol</a:t>
+            </a:r>
+            <a:r>
+              <a:rPr lang="en-US" sz="2000" dirty="0">
+                <a:effectLst/>
+                <a:latin typeface="Calibri" panose="020F0502020204030204" pitchFamily="34" charset="0"/>
+              </a:rPr>
+              <a:t> SARS-CoV-2 Stock in 1x Nasal Matrix</a:t>
+            </a:r>
+          </a:p>
+          <a:p>
+            <a:r>
+              <a:rPr lang="en-US" sz="2400" dirty="0">
+                <a:latin typeface="Calibri" panose="020F0502020204030204" pitchFamily="34" charset="0"/>
+              </a:rPr>
+              <a:t>5 replicates on each instrument</a:t>
+            </a:r>
+            <a:endParaRPr lang="en-US" sz="2400" dirty="0">
+              <a:effectLst/>
+              <a:latin typeface="Calibri" panose="020F0502020204030204" pitchFamily="34" charset="0"/>
+            </a:endParaRPr>
+          </a:p>
+          <a:p>
+            <a:endParaRPr lang="en-US" dirty="0"/>
+          </a:p>
+        </p:txBody>
+      </p:sp>
+      <p:sp>
+        <p:nvSpPr>
+          <p:cNvPr id="4" name="Content Placeholder 3">
+            <a:extLst>
+              <a:ext uri="{FF2B5EF4-FFF2-40B4-BE49-F238E27FC236}">
+                <a16:creationId xmlns:a16="http://schemas.microsoft.com/office/drawing/2014/main" id="{50344DD8-797F-3308-90AE-A6DE694206DF}"/>
+              </a:ext>
+            </a:extLst>
+          </p:cNvPr>
+          <p:cNvSpPr>
+            <a:spLocks noGrp="1"/>
+          </p:cNvSpPr>
+          <p:nvPr>
+            <p:ph sz="half" idx="2"/>
+          </p:nvPr>
+        </p:nvSpPr>
+        <p:spPr/>
+        <p:txBody>
+          <a:bodyPr>
+            <a:normAutofit/>
+          </a:bodyPr>
+          <a:lstStyle/>
+          <a:p>
+            <a:pPr marL="0" indent="0">
+              <a:buNone/>
+            </a:pPr>
+            <a:r>
+              <a:rPr lang="en-US" b="1" dirty="0"/>
+              <a:t>Change LED and LED filter:</a:t>
+            </a:r>
+          </a:p>
+          <a:p>
+            <a:r>
+              <a:rPr lang="en-US" dirty="0"/>
+              <a:t>Change in fluorescence</a:t>
+            </a:r>
+          </a:p>
+          <a:p>
+            <a:r>
+              <a:rPr lang="en-US" dirty="0"/>
+              <a:t>Change in variability</a:t>
+            </a:r>
+          </a:p>
+          <a:p>
+            <a:pPr lvl="1"/>
+            <a:r>
+              <a:rPr lang="en-US" dirty="0"/>
+              <a:t>Run to run</a:t>
+            </a:r>
+          </a:p>
+          <a:p>
+            <a:pPr lvl="1"/>
+            <a:r>
+              <a:rPr lang="en-US" dirty="0"/>
+              <a:t>Instrument to instrument</a:t>
+            </a:r>
+          </a:p>
+          <a:p>
+            <a:endParaRPr lang="en-US" dirty="0"/>
+          </a:p>
+        </p:txBody>
+      </p:sp>
+    </p:spTree>
+    <p:extLst>
+      <p:ext uri="{BB962C8B-B14F-4D97-AF65-F5344CB8AC3E}">
+        <p14:creationId xmlns:p14="http://schemas.microsoft.com/office/powerpoint/2010/main" val="1399105102"/>
+      </p:ext>
+    </p:extLst>
+  </p:cSld>
+  <p:clrMapOvr>
+    <a:masterClrMapping/>
+  </p:clrMapOvr>
+</p:sld>
+</file>
+
+<file path=ppt/slides/slide3.xml><?xml version="1.0" encoding="utf-8"?>
+<p:sld xmlns:a="http://schemas.openxmlformats.org/drawingml/2006/main" xmlns:r="http://schemas.openxmlformats.org/officeDocument/2006/relationships" xmlns:p="http://schemas.openxmlformats.org/presentationml/2006/main">
+  <p:cSld>
+    <p:spTree>
+      <p:nvGrpSpPr>
+        <p:cNvPr id="1" name=""/>
+        <p:cNvGrpSpPr/>
+        <p:nvPr/>
+      </p:nvGrpSpPr>
+      <p:grpSpPr>
+        <a:xfrm>
+          <a:off x="0" y="0"/>
+          <a:ext cx="0" cy="0"/>
+          <a:chOff x="0" y="0"/>
+          <a:chExt cx="0" cy="0"/>
+        </a:xfrm>
+      </p:grpSpPr>
+      <p:sp>
+        <p:nvSpPr>
+          <p:cNvPr id="2" name="Title 1">
+            <a:extLst>
+              <a:ext uri="{FF2B5EF4-FFF2-40B4-BE49-F238E27FC236}">
+                <a16:creationId xmlns:a16="http://schemas.microsoft.com/office/drawing/2014/main" id="{2E8BBEF2-A03C-64BA-399B-4C9F382E7F65}"/>
+              </a:ext>
+            </a:extLst>
+          </p:cNvPr>
+          <p:cNvSpPr>
+            <a:spLocks noGrp="1"/>
+          </p:cNvSpPr>
+          <p:nvPr>
+            <p:ph type="title"/>
+          </p:nvPr>
+        </p:nvSpPr>
+        <p:spPr/>
+        <p:txBody>
+          <a:bodyPr/>
+          <a:lstStyle/>
+          <a:p>
+            <a:r>
+              <a:rPr lang="en-US" dirty="0"/>
+              <a:t>Confidence Area</a:t>
+            </a:r>
+          </a:p>
+        </p:txBody>
+      </p:sp>
+      <p:pic>
+        <p:nvPicPr>
+          <p:cNvPr id="42" name="Content Placeholder 41">
+            <a:extLst>
+              <a:ext uri="{FF2B5EF4-FFF2-40B4-BE49-F238E27FC236}">
+                <a16:creationId xmlns:a16="http://schemas.microsoft.com/office/drawing/2014/main" id="{16E8F8E1-0D68-AE35-5F8A-02AB7DAB9CF1}"/>
+              </a:ext>
+            </a:extLst>
+          </p:cNvPr>
+          <p:cNvPicPr>
+            <a:picLocks noGrp="1" noChangeAspect="1"/>
+          </p:cNvPicPr>
+          <p:nvPr>
+            <p:ph sz="half" idx="1"/>
+          </p:nvPr>
+        </p:nvPicPr>
+        <p:blipFill>
+          <a:blip r:embed="rId2"/>
+          <a:stretch>
+            <a:fillRect/>
+          </a:stretch>
+        </p:blipFill>
+        <p:spPr>
+          <a:xfrm>
+            <a:off x="838200" y="2018319"/>
+            <a:ext cx="5181600" cy="3965950"/>
+          </a:xfrm>
+        </p:spPr>
+      </p:pic>
+      <p:pic>
+        <p:nvPicPr>
+          <p:cNvPr id="46" name="Content Placeholder 45">
+            <a:extLst>
+              <a:ext uri="{FF2B5EF4-FFF2-40B4-BE49-F238E27FC236}">
+                <a16:creationId xmlns:a16="http://schemas.microsoft.com/office/drawing/2014/main" id="{B2AC1115-A552-3E21-1AB8-C6C70398930F}"/>
+              </a:ext>
+            </a:extLst>
+          </p:cNvPr>
+          <p:cNvPicPr>
+            <a:picLocks noGrp="1" noChangeAspect="1"/>
+          </p:cNvPicPr>
+          <p:nvPr>
+            <p:ph sz="half" idx="2"/>
+          </p:nvPr>
+        </p:nvPicPr>
+        <p:blipFill>
+          <a:blip r:embed="rId3"/>
+          <a:stretch>
+            <a:fillRect/>
+          </a:stretch>
+        </p:blipFill>
+        <p:spPr>
+          <a:xfrm>
+            <a:off x="6172200" y="1979420"/>
+            <a:ext cx="5181600" cy="4043748"/>
+          </a:xfrm>
+        </p:spPr>
+      </p:pic>
+    </p:spTree>
+    <p:extLst>
+      <p:ext uri="{BB962C8B-B14F-4D97-AF65-F5344CB8AC3E}">
+        <p14:creationId xmlns:p14="http://schemas.microsoft.com/office/powerpoint/2010/main" val="1193083489"/>
+      </p:ext>
+    </p:extLst>
+  </p:cSld>
+  <p:clrMapOvr>
+    <a:masterClrMapping/>
+  </p:clrMapOvr>
+</p:sld>
+</file>
+
+<file path=ppt/slides/slide4.xml><?xml version="1.0" encoding="utf-8"?>
+<p:sld xmlns:a="http://schemas.openxmlformats.org/drawingml/2006/main" xmlns:r="http://schemas.openxmlformats.org/officeDocument/2006/relationships" xmlns:p="http://schemas.openxmlformats.org/presentationml/2006/main">
+  <p:cSld>
+    <p:spTree>
+      <p:nvGrpSpPr>
+        <p:cNvPr id="1" name=""/>
+        <p:cNvGrpSpPr/>
+        <p:nvPr/>
+      </p:nvGrpSpPr>
+      <p:grpSpPr>
+        <a:xfrm>
+          <a:off x="0" y="0"/>
+          <a:ext cx="0" cy="0"/>
+          <a:chOff x="0" y="0"/>
+          <a:chExt cx="0" cy="0"/>
+        </a:xfrm>
+      </p:grpSpPr>
+      <p:sp>
+        <p:nvSpPr>
+          <p:cNvPr id="2" name="Title 1">
+            <a:extLst>
+              <a:ext uri="{FF2B5EF4-FFF2-40B4-BE49-F238E27FC236}">
+                <a16:creationId xmlns:a16="http://schemas.microsoft.com/office/drawing/2014/main" id="{339D2CB6-6214-A04E-DF1E-1DBDC922D038}"/>
+              </a:ext>
+            </a:extLst>
+          </p:cNvPr>
+          <p:cNvSpPr>
+            <a:spLocks noGrp="1"/>
+          </p:cNvSpPr>
+          <p:nvPr>
+            <p:ph type="title"/>
+          </p:nvPr>
+        </p:nvSpPr>
+        <p:spPr/>
+        <p:txBody>
+          <a:bodyPr/>
+          <a:lstStyle/>
+          <a:p>
+            <a:r>
+              <a:rPr lang="en-US" dirty="0"/>
+              <a:t>Confidence Area</a:t>
+            </a:r>
+          </a:p>
+        </p:txBody>
+      </p:sp>
+      <p:pic>
+        <p:nvPicPr>
+          <p:cNvPr id="20" name="Content Placeholder 19">
+            <a:extLst>
+              <a:ext uri="{FF2B5EF4-FFF2-40B4-BE49-F238E27FC236}">
+                <a16:creationId xmlns:a16="http://schemas.microsoft.com/office/drawing/2014/main" id="{F744194E-1E88-E256-5BE2-BA56261DF430}"/>
+              </a:ext>
+            </a:extLst>
+          </p:cNvPr>
+          <p:cNvPicPr>
+            <a:picLocks noGrp="1" noChangeAspect="1"/>
+          </p:cNvPicPr>
+          <p:nvPr>
+            <p:ph sz="half" idx="1"/>
+          </p:nvPr>
+        </p:nvPicPr>
+        <p:blipFill>
+          <a:blip r:embed="rId2"/>
+          <a:stretch>
+            <a:fillRect/>
+          </a:stretch>
+        </p:blipFill>
+        <p:spPr>
+          <a:xfrm>
+            <a:off x="838200" y="1989106"/>
+            <a:ext cx="5181600" cy="4024376"/>
+          </a:xfrm>
+        </p:spPr>
+      </p:pic>
+      <p:pic>
+        <p:nvPicPr>
+          <p:cNvPr id="24" name="Content Placeholder 23">
+            <a:extLst>
+              <a:ext uri="{FF2B5EF4-FFF2-40B4-BE49-F238E27FC236}">
+                <a16:creationId xmlns:a16="http://schemas.microsoft.com/office/drawing/2014/main" id="{07BE950A-6558-9ACB-4990-41683606A9D5}"/>
+              </a:ext>
+            </a:extLst>
+          </p:cNvPr>
+          <p:cNvPicPr>
+            <a:picLocks noGrp="1" noChangeAspect="1"/>
+          </p:cNvPicPr>
+          <p:nvPr>
+            <p:ph sz="half" idx="2"/>
+          </p:nvPr>
+        </p:nvPicPr>
+        <p:blipFill>
+          <a:blip r:embed="rId3"/>
+          <a:stretch>
+            <a:fillRect/>
+          </a:stretch>
+        </p:blipFill>
+        <p:spPr>
+          <a:xfrm>
+            <a:off x="6172200" y="2048746"/>
+            <a:ext cx="5181600" cy="3905095"/>
+          </a:xfrm>
+        </p:spPr>
+      </p:pic>
+    </p:spTree>
+    <p:extLst>
+      <p:ext uri="{BB962C8B-B14F-4D97-AF65-F5344CB8AC3E}">
+        <p14:creationId xmlns:p14="http://schemas.microsoft.com/office/powerpoint/2010/main" val="4017263668"/>
+      </p:ext>
+    </p:extLst>
+  </p:cSld>
+  <p:clrMapOvr>
+    <a:masterClrMapping/>
+  </p:clrMapOvr>
+</p:sld>
+</file>
+
+<file path=ppt/slides/slide5.xml><?xml version="1.0" encoding="utf-8"?>
+<p:sld xmlns:a="http://schemas.openxmlformats.org/drawingml/2006/main" xmlns:r="http://schemas.openxmlformats.org/officeDocument/2006/relationships" xmlns:p="http://schemas.openxmlformats.org/presentationml/2006/main">
+  <p:cSld>
+    <p:spTree>
+      <p:nvGrpSpPr>
+        <p:cNvPr id="1" name=""/>
+        <p:cNvGrpSpPr/>
+        <p:nvPr/>
+      </p:nvGrpSpPr>
+      <p:grpSpPr>
+        <a:xfrm>
+          <a:off x="0" y="0"/>
+          <a:ext cx="0" cy="0"/>
+          <a:chOff x="0" y="0"/>
+          <a:chExt cx="0" cy="0"/>
+        </a:xfrm>
+      </p:grpSpPr>
+      <p:sp>
+        <p:nvSpPr>
+          <p:cNvPr id="2" name="Title 1">
+            <a:extLst>
+              <a:ext uri="{FF2B5EF4-FFF2-40B4-BE49-F238E27FC236}">
+                <a16:creationId xmlns:a16="http://schemas.microsoft.com/office/drawing/2014/main" id="{98E3DAB8-EDBB-6F95-8932-E9218521C347}"/>
+              </a:ext>
+            </a:extLst>
+          </p:cNvPr>
+          <p:cNvSpPr>
+            <a:spLocks noGrp="1"/>
+          </p:cNvSpPr>
+          <p:nvPr>
+            <p:ph type="title"/>
+          </p:nvPr>
+        </p:nvSpPr>
+        <p:spPr/>
+        <p:txBody>
+          <a:bodyPr/>
+          <a:lstStyle/>
+          <a:p>
+            <a:r>
+              <a:rPr lang="en-US" dirty="0"/>
+              <a:t>Confidence Area</a:t>
+            </a:r>
+          </a:p>
+        </p:txBody>
+      </p:sp>
+      <p:pic>
+        <p:nvPicPr>
+          <p:cNvPr id="20" name="Content Placeholder 19">
+            <a:extLst>
+              <a:ext uri="{FF2B5EF4-FFF2-40B4-BE49-F238E27FC236}">
+                <a16:creationId xmlns:a16="http://schemas.microsoft.com/office/drawing/2014/main" id="{303CF8C2-42C1-A86F-30D5-27971249B397}"/>
+              </a:ext>
+            </a:extLst>
+          </p:cNvPr>
+          <p:cNvPicPr>
+            <a:picLocks noGrp="1" noChangeAspect="1"/>
+          </p:cNvPicPr>
+          <p:nvPr>
+            <p:ph sz="half" idx="1"/>
+          </p:nvPr>
+        </p:nvPicPr>
+        <p:blipFill>
+          <a:blip r:embed="rId2"/>
+          <a:stretch>
+            <a:fillRect/>
+          </a:stretch>
+        </p:blipFill>
+        <p:spPr>
+          <a:xfrm>
+            <a:off x="838200" y="2041370"/>
+            <a:ext cx="5181600" cy="3919847"/>
+          </a:xfrm>
+        </p:spPr>
+      </p:pic>
+      <p:pic>
+        <p:nvPicPr>
+          <p:cNvPr id="24" name="Content Placeholder 23">
+            <a:extLst>
+              <a:ext uri="{FF2B5EF4-FFF2-40B4-BE49-F238E27FC236}">
+                <a16:creationId xmlns:a16="http://schemas.microsoft.com/office/drawing/2014/main" id="{21D77B68-35F8-BDE3-03AC-3B18B4D30957}"/>
+              </a:ext>
+            </a:extLst>
+          </p:cNvPr>
+          <p:cNvPicPr>
+            <a:picLocks noGrp="1" noChangeAspect="1"/>
+          </p:cNvPicPr>
+          <p:nvPr>
+            <p:ph sz="half" idx="2"/>
+          </p:nvPr>
+        </p:nvPicPr>
+        <p:blipFill>
+          <a:blip r:embed="rId3"/>
+          <a:stretch>
+            <a:fillRect/>
+          </a:stretch>
+        </p:blipFill>
+        <p:spPr>
+          <a:xfrm>
+            <a:off x="6172200" y="1991487"/>
+            <a:ext cx="5181600" cy="4019613"/>
+          </a:xfrm>
+        </p:spPr>
+      </p:pic>
+    </p:spTree>
+    <p:extLst>
+      <p:ext uri="{BB962C8B-B14F-4D97-AF65-F5344CB8AC3E}">
+        <p14:creationId xmlns:p14="http://schemas.microsoft.com/office/powerpoint/2010/main" val="2054368635"/>
+      </p:ext>
+    </p:extLst>
+  </p:cSld>
+  <p:clrMapOvr>
+    <a:masterClrMapping/>
+  </p:clrMapOvr>
+</p:sld>
+</file>
+
+<file path=ppt/slides/slide6.xml><?xml version="1.0" encoding="utf-8"?>
+<p:sld xmlns:a="http://schemas.openxmlformats.org/drawingml/2006/main" xmlns:r="http://schemas.openxmlformats.org/officeDocument/2006/relationships" xmlns:p="http://schemas.openxmlformats.org/presentationml/2006/main">
+  <p:cSld>
+    <p:spTree>
+      <p:nvGrpSpPr>
+        <p:cNvPr id="1" name=""/>
+        <p:cNvGrpSpPr/>
+        <p:nvPr/>
+      </p:nvGrpSpPr>
+      <p:grpSpPr>
+        <a:xfrm>
+          <a:off x="0" y="0"/>
+          <a:ext cx="0" cy="0"/>
+          <a:chOff x="0" y="0"/>
+          <a:chExt cx="0" cy="0"/>
+        </a:xfrm>
+      </p:grpSpPr>
+      <p:sp>
+        <p:nvSpPr>
+          <p:cNvPr id="2" name="Title 1">
+            <a:extLst>
+              <a:ext uri="{FF2B5EF4-FFF2-40B4-BE49-F238E27FC236}">
+                <a16:creationId xmlns:a16="http://schemas.microsoft.com/office/drawing/2014/main" id="{C6DF2FF0-846D-776F-8C98-72F550A73935}"/>
+              </a:ext>
+            </a:extLst>
+          </p:cNvPr>
+          <p:cNvSpPr>
+            <a:spLocks noGrp="1"/>
+          </p:cNvSpPr>
+          <p:nvPr>
+            <p:ph type="title"/>
+          </p:nvPr>
+        </p:nvSpPr>
+        <p:spPr/>
+        <p:txBody>
+          <a:bodyPr/>
+          <a:lstStyle/>
+          <a:p>
+            <a:r>
+              <a:rPr lang="en-US" dirty="0"/>
+              <a:t>Confidence Area</a:t>
+            </a:r>
+          </a:p>
+        </p:txBody>
+      </p:sp>
+      <p:pic>
+        <p:nvPicPr>
+          <p:cNvPr id="16" name="Content Placeholder 15">
+            <a:extLst>
+              <a:ext uri="{FF2B5EF4-FFF2-40B4-BE49-F238E27FC236}">
+                <a16:creationId xmlns:a16="http://schemas.microsoft.com/office/drawing/2014/main" id="{33EB9350-314A-B724-912A-665AD5E28AD2}"/>
+              </a:ext>
+            </a:extLst>
+          </p:cNvPr>
+          <p:cNvPicPr>
+            <a:picLocks noGrp="1" noChangeAspect="1"/>
+          </p:cNvPicPr>
+          <p:nvPr>
+            <p:ph sz="half" idx="1"/>
+          </p:nvPr>
+        </p:nvPicPr>
+        <p:blipFill>
+          <a:blip r:embed="rId2"/>
+          <a:stretch>
+            <a:fillRect/>
+          </a:stretch>
+        </p:blipFill>
+        <p:spPr>
+          <a:xfrm>
+            <a:off x="838200" y="2001683"/>
+            <a:ext cx="5181600" cy="3999222"/>
+          </a:xfrm>
+        </p:spPr>
+      </p:pic>
+    </p:spTree>
+    <p:extLst>
+      <p:ext uri="{BB962C8B-B14F-4D97-AF65-F5344CB8AC3E}">
+        <p14:creationId xmlns:p14="http://schemas.microsoft.com/office/powerpoint/2010/main" val="800879088"/>
+      </p:ext>
+    </p:extLst>
+  </p:cSld>
+  <p:clrMapOvr>
+    <a:masterClrMapping/>
+  </p:clrMapOvr>
+</p:sld>
+</file>
+
+<file path=ppt/slides/slide7.xml><?xml version="1.0" encoding="utf-8"?>
+<p:sld xmlns:a="http://schemas.openxmlformats.org/drawingml/2006/main" xmlns:r="http://schemas.openxmlformats.org/officeDocument/2006/relationships" xmlns:p="http://schemas.openxmlformats.org/presentationml/2006/main">
+  <p:cSld>
+    <p:spTree>
+      <p:nvGrpSpPr>
+        <p:cNvPr id="1" name=""/>
+        <p:cNvGrpSpPr/>
+        <p:nvPr/>
+      </p:nvGrpSpPr>
+      <p:grpSpPr>
+        <a:xfrm>
+          <a:off x="0" y="0"/>
+          <a:ext cx="0" cy="0"/>
+          <a:chOff x="0" y="0"/>
+          <a:chExt cx="0" cy="0"/>
+        </a:xfrm>
+      </p:grpSpPr>
+      <p:sp>
+        <p:nvSpPr>
+          <p:cNvPr id="2" name="Title 1">
+            <a:extLst>
+              <a:ext uri="{FF2B5EF4-FFF2-40B4-BE49-F238E27FC236}">
                 <a16:creationId xmlns:a16="http://schemas.microsoft.com/office/drawing/2014/main" id="{5683D89A-784F-ED6A-0209-7F66A63A7262}"/>
               </a:ext>
             </a:extLst>
@@ -3591,7 +4297,7 @@
 </p:sld>
 </file>
 
-<file path=ppt/slides/slide3.xml><?xml version="1.0" encoding="utf-8"?>
+<file path=ppt/slides/slide8.xml><?xml version="1.0" encoding="utf-8"?>
 <p:sld xmlns:a="http://schemas.openxmlformats.org/drawingml/2006/main" xmlns:r="http://schemas.openxmlformats.org/officeDocument/2006/relationships" xmlns:p="http://schemas.openxmlformats.org/presentationml/2006/main">
   <p:cSld>
     <p:spTree>
@@ -3763,442 +4469,7 @@
 </p:sld>
 </file>
 
-<file path=ppt/slides/slide4.xml><?xml version="1.0" encoding="utf-8"?>
-<p:sld xmlns:a="http://schemas.openxmlformats.org/drawingml/2006/main" xmlns:r="http://schemas.openxmlformats.org/officeDocument/2006/relationships" xmlns:p="http://schemas.openxmlformats.org/presentationml/2006/main">
-  <p:cSld>
-    <p:spTree>
-      <p:nvGrpSpPr>
-        <p:cNvPr id="1" name=""/>
-        <p:cNvGrpSpPr/>
-        <p:nvPr/>
-      </p:nvGrpSpPr>
-      <p:grpSpPr>
-        <a:xfrm>
-          <a:off x="0" y="0"/>
-          <a:ext cx="0" cy="0"/>
-          <a:chOff x="0" y="0"/>
-          <a:chExt cx="0" cy="0"/>
-        </a:xfrm>
-      </p:grpSpPr>
-      <p:sp>
-        <p:nvSpPr>
-          <p:cNvPr id="2" name="Title 1">
-            <a:extLst>
-              <a:ext uri="{FF2B5EF4-FFF2-40B4-BE49-F238E27FC236}">
-                <a16:creationId xmlns:a16="http://schemas.microsoft.com/office/drawing/2014/main" id="{2E8BBEF2-A03C-64BA-399B-4C9F382E7F65}"/>
-              </a:ext>
-            </a:extLst>
-          </p:cNvPr>
-          <p:cNvSpPr>
-            <a:spLocks noGrp="1"/>
-          </p:cNvSpPr>
-          <p:nvPr>
-            <p:ph type="title"/>
-          </p:nvPr>
-        </p:nvSpPr>
-        <p:spPr/>
-        <p:txBody>
-          <a:bodyPr/>
-          <a:lstStyle/>
-          <a:p>
-            <a:r>
-              <a:rPr lang="en-US" dirty="0"/>
-              <a:t>Confidence Area</a:t>
-            </a:r>
-          </a:p>
-        </p:txBody>
-      </p:sp>
-      <p:pic>
-        <p:nvPicPr>
-          <p:cNvPr id="42" name="Content Placeholder 41">
-            <a:extLst>
-              <a:ext uri="{FF2B5EF4-FFF2-40B4-BE49-F238E27FC236}">
-                <a16:creationId xmlns:a16="http://schemas.microsoft.com/office/drawing/2014/main" id="{16E8F8E1-0D68-AE35-5F8A-02AB7DAB9CF1}"/>
-              </a:ext>
-            </a:extLst>
-          </p:cNvPr>
-          <p:cNvPicPr>
-            <a:picLocks noGrp="1" noChangeAspect="1"/>
-          </p:cNvPicPr>
-          <p:nvPr>
-            <p:ph sz="half" idx="1"/>
-          </p:nvPr>
-        </p:nvPicPr>
-        <p:blipFill>
-          <a:blip r:embed="rId2"/>
-          <a:stretch>
-            <a:fillRect/>
-          </a:stretch>
-        </p:blipFill>
-        <p:spPr>
-          <a:xfrm>
-            <a:off x="838200" y="2018319"/>
-            <a:ext cx="5181600" cy="3965950"/>
-          </a:xfrm>
-        </p:spPr>
-      </p:pic>
-      <p:pic>
-        <p:nvPicPr>
-          <p:cNvPr id="46" name="Content Placeholder 45">
-            <a:extLst>
-              <a:ext uri="{FF2B5EF4-FFF2-40B4-BE49-F238E27FC236}">
-                <a16:creationId xmlns:a16="http://schemas.microsoft.com/office/drawing/2014/main" id="{B2AC1115-A552-3E21-1AB8-C6C70398930F}"/>
-              </a:ext>
-            </a:extLst>
-          </p:cNvPr>
-          <p:cNvPicPr>
-            <a:picLocks noGrp="1" noChangeAspect="1"/>
-          </p:cNvPicPr>
-          <p:nvPr>
-            <p:ph sz="half" idx="2"/>
-          </p:nvPr>
-        </p:nvPicPr>
-        <p:blipFill>
-          <a:blip r:embed="rId3"/>
-          <a:stretch>
-            <a:fillRect/>
-          </a:stretch>
-        </p:blipFill>
-        <p:spPr>
-          <a:xfrm>
-            <a:off x="6172200" y="1979420"/>
-            <a:ext cx="5181600" cy="4043748"/>
-          </a:xfrm>
-        </p:spPr>
-      </p:pic>
-    </p:spTree>
-    <p:extLst>
-      <p:ext uri="{BB962C8B-B14F-4D97-AF65-F5344CB8AC3E}">
-        <p14:creationId xmlns:p14="http://schemas.microsoft.com/office/powerpoint/2010/main" val="1193083489"/>
-      </p:ext>
-    </p:extLst>
-  </p:cSld>
-  <p:clrMapOvr>
-    <a:masterClrMapping/>
-  </p:clrMapOvr>
-</p:sld>
-</file>
-
-<file path=ppt/slides/slide5.xml><?xml version="1.0" encoding="utf-8"?>
-<p:sld xmlns:a="http://schemas.openxmlformats.org/drawingml/2006/main" xmlns:r="http://schemas.openxmlformats.org/officeDocument/2006/relationships" xmlns:p="http://schemas.openxmlformats.org/presentationml/2006/main">
-  <p:cSld>
-    <p:spTree>
-      <p:nvGrpSpPr>
-        <p:cNvPr id="1" name=""/>
-        <p:cNvGrpSpPr/>
-        <p:nvPr/>
-      </p:nvGrpSpPr>
-      <p:grpSpPr>
-        <a:xfrm>
-          <a:off x="0" y="0"/>
-          <a:ext cx="0" cy="0"/>
-          <a:chOff x="0" y="0"/>
-          <a:chExt cx="0" cy="0"/>
-        </a:xfrm>
-      </p:grpSpPr>
-      <p:sp>
-        <p:nvSpPr>
-          <p:cNvPr id="2" name="Title 1">
-            <a:extLst>
-              <a:ext uri="{FF2B5EF4-FFF2-40B4-BE49-F238E27FC236}">
-                <a16:creationId xmlns:a16="http://schemas.microsoft.com/office/drawing/2014/main" id="{339D2CB6-6214-A04E-DF1E-1DBDC922D038}"/>
-              </a:ext>
-            </a:extLst>
-          </p:cNvPr>
-          <p:cNvSpPr>
-            <a:spLocks noGrp="1"/>
-          </p:cNvSpPr>
-          <p:nvPr>
-            <p:ph type="title"/>
-          </p:nvPr>
-        </p:nvSpPr>
-        <p:spPr/>
-        <p:txBody>
-          <a:bodyPr/>
-          <a:lstStyle/>
-          <a:p>
-            <a:r>
-              <a:rPr lang="en-US" dirty="0"/>
-              <a:t>Confidence Area</a:t>
-            </a:r>
-          </a:p>
-        </p:txBody>
-      </p:sp>
-      <p:pic>
-        <p:nvPicPr>
-          <p:cNvPr id="20" name="Content Placeholder 19">
-            <a:extLst>
-              <a:ext uri="{FF2B5EF4-FFF2-40B4-BE49-F238E27FC236}">
-                <a16:creationId xmlns:a16="http://schemas.microsoft.com/office/drawing/2014/main" id="{F744194E-1E88-E256-5BE2-BA56261DF430}"/>
-              </a:ext>
-            </a:extLst>
-          </p:cNvPr>
-          <p:cNvPicPr>
-            <a:picLocks noGrp="1" noChangeAspect="1"/>
-          </p:cNvPicPr>
-          <p:nvPr>
-            <p:ph sz="half" idx="1"/>
-          </p:nvPr>
-        </p:nvPicPr>
-        <p:blipFill>
-          <a:blip r:embed="rId2"/>
-          <a:stretch>
-            <a:fillRect/>
-          </a:stretch>
-        </p:blipFill>
-        <p:spPr>
-          <a:xfrm>
-            <a:off x="838200" y="1989106"/>
-            <a:ext cx="5181600" cy="4024376"/>
-          </a:xfrm>
-        </p:spPr>
-      </p:pic>
-      <p:pic>
-        <p:nvPicPr>
-          <p:cNvPr id="24" name="Content Placeholder 23">
-            <a:extLst>
-              <a:ext uri="{FF2B5EF4-FFF2-40B4-BE49-F238E27FC236}">
-                <a16:creationId xmlns:a16="http://schemas.microsoft.com/office/drawing/2014/main" id="{07BE950A-6558-9ACB-4990-41683606A9D5}"/>
-              </a:ext>
-            </a:extLst>
-          </p:cNvPr>
-          <p:cNvPicPr>
-            <a:picLocks noGrp="1" noChangeAspect="1"/>
-          </p:cNvPicPr>
-          <p:nvPr>
-            <p:ph sz="half" idx="2"/>
-          </p:nvPr>
-        </p:nvPicPr>
-        <p:blipFill>
-          <a:blip r:embed="rId3"/>
-          <a:stretch>
-            <a:fillRect/>
-          </a:stretch>
-        </p:blipFill>
-        <p:spPr>
-          <a:xfrm>
-            <a:off x="6172200" y="2048746"/>
-            <a:ext cx="5181600" cy="3905095"/>
-          </a:xfrm>
-        </p:spPr>
-      </p:pic>
-    </p:spTree>
-    <p:extLst>
-      <p:ext uri="{BB962C8B-B14F-4D97-AF65-F5344CB8AC3E}">
-        <p14:creationId xmlns:p14="http://schemas.microsoft.com/office/powerpoint/2010/main" val="4017263668"/>
-      </p:ext>
-    </p:extLst>
-  </p:cSld>
-  <p:clrMapOvr>
-    <a:masterClrMapping/>
-  </p:clrMapOvr>
-</p:sld>
-</file>
-
-<file path=ppt/slides/slide6.xml><?xml version="1.0" encoding="utf-8"?>
-<p:sld xmlns:a="http://schemas.openxmlformats.org/drawingml/2006/main" xmlns:r="http://schemas.openxmlformats.org/officeDocument/2006/relationships" xmlns:p="http://schemas.openxmlformats.org/presentationml/2006/main">
-  <p:cSld>
-    <p:spTree>
-      <p:nvGrpSpPr>
-        <p:cNvPr id="1" name=""/>
-        <p:cNvGrpSpPr/>
-        <p:nvPr/>
-      </p:nvGrpSpPr>
-      <p:grpSpPr>
-        <a:xfrm>
-          <a:off x="0" y="0"/>
-          <a:ext cx="0" cy="0"/>
-          <a:chOff x="0" y="0"/>
-          <a:chExt cx="0" cy="0"/>
-        </a:xfrm>
-      </p:grpSpPr>
-      <p:sp>
-        <p:nvSpPr>
-          <p:cNvPr id="2" name="Title 1">
-            <a:extLst>
-              <a:ext uri="{FF2B5EF4-FFF2-40B4-BE49-F238E27FC236}">
-                <a16:creationId xmlns:a16="http://schemas.microsoft.com/office/drawing/2014/main" id="{98E3DAB8-EDBB-6F95-8932-E9218521C347}"/>
-              </a:ext>
-            </a:extLst>
-          </p:cNvPr>
-          <p:cNvSpPr>
-            <a:spLocks noGrp="1"/>
-          </p:cNvSpPr>
-          <p:nvPr>
-            <p:ph type="title"/>
-          </p:nvPr>
-        </p:nvSpPr>
-        <p:spPr/>
-        <p:txBody>
-          <a:bodyPr/>
-          <a:lstStyle/>
-          <a:p>
-            <a:r>
-              <a:rPr lang="en-US" dirty="0"/>
-              <a:t>Confidence Area</a:t>
-            </a:r>
-          </a:p>
-        </p:txBody>
-      </p:sp>
-      <p:pic>
-        <p:nvPicPr>
-          <p:cNvPr id="20" name="Content Placeholder 19">
-            <a:extLst>
-              <a:ext uri="{FF2B5EF4-FFF2-40B4-BE49-F238E27FC236}">
-                <a16:creationId xmlns:a16="http://schemas.microsoft.com/office/drawing/2014/main" id="{303CF8C2-42C1-A86F-30D5-27971249B397}"/>
-              </a:ext>
-            </a:extLst>
-          </p:cNvPr>
-          <p:cNvPicPr>
-            <a:picLocks noGrp="1" noChangeAspect="1"/>
-          </p:cNvPicPr>
-          <p:nvPr>
-            <p:ph sz="half" idx="1"/>
-          </p:nvPr>
-        </p:nvPicPr>
-        <p:blipFill>
-          <a:blip r:embed="rId2"/>
-          <a:stretch>
-            <a:fillRect/>
-          </a:stretch>
-        </p:blipFill>
-        <p:spPr>
-          <a:xfrm>
-            <a:off x="838200" y="2041370"/>
-            <a:ext cx="5181600" cy="3919847"/>
-          </a:xfrm>
-        </p:spPr>
-      </p:pic>
-      <p:pic>
-        <p:nvPicPr>
-          <p:cNvPr id="24" name="Content Placeholder 23">
-            <a:extLst>
-              <a:ext uri="{FF2B5EF4-FFF2-40B4-BE49-F238E27FC236}">
-                <a16:creationId xmlns:a16="http://schemas.microsoft.com/office/drawing/2014/main" id="{21D77B68-35F8-BDE3-03AC-3B18B4D30957}"/>
-              </a:ext>
-            </a:extLst>
-          </p:cNvPr>
-          <p:cNvPicPr>
-            <a:picLocks noGrp="1" noChangeAspect="1"/>
-          </p:cNvPicPr>
-          <p:nvPr>
-            <p:ph sz="half" idx="2"/>
-          </p:nvPr>
-        </p:nvPicPr>
-        <p:blipFill>
-          <a:blip r:embed="rId3"/>
-          <a:stretch>
-            <a:fillRect/>
-          </a:stretch>
-        </p:blipFill>
-        <p:spPr>
-          <a:xfrm>
-            <a:off x="6172200" y="1991487"/>
-            <a:ext cx="5181600" cy="4019613"/>
-          </a:xfrm>
-        </p:spPr>
-      </p:pic>
-    </p:spTree>
-    <p:extLst>
-      <p:ext uri="{BB962C8B-B14F-4D97-AF65-F5344CB8AC3E}">
-        <p14:creationId xmlns:p14="http://schemas.microsoft.com/office/powerpoint/2010/main" val="2054368635"/>
-      </p:ext>
-    </p:extLst>
-  </p:cSld>
-  <p:clrMapOvr>
-    <a:masterClrMapping/>
-  </p:clrMapOvr>
-</p:sld>
-</file>
-
-<file path=ppt/slides/slide7.xml><?xml version="1.0" encoding="utf-8"?>
-<p:sld xmlns:a="http://schemas.openxmlformats.org/drawingml/2006/main" xmlns:r="http://schemas.openxmlformats.org/officeDocument/2006/relationships" xmlns:p="http://schemas.openxmlformats.org/presentationml/2006/main">
-  <p:cSld>
-    <p:spTree>
-      <p:nvGrpSpPr>
-        <p:cNvPr id="1" name=""/>
-        <p:cNvGrpSpPr/>
-        <p:nvPr/>
-      </p:nvGrpSpPr>
-      <p:grpSpPr>
-        <a:xfrm>
-          <a:off x="0" y="0"/>
-          <a:ext cx="0" cy="0"/>
-          <a:chOff x="0" y="0"/>
-          <a:chExt cx="0" cy="0"/>
-        </a:xfrm>
-      </p:grpSpPr>
-      <p:sp>
-        <p:nvSpPr>
-          <p:cNvPr id="2" name="Title 1">
-            <a:extLst>
-              <a:ext uri="{FF2B5EF4-FFF2-40B4-BE49-F238E27FC236}">
-                <a16:creationId xmlns:a16="http://schemas.microsoft.com/office/drawing/2014/main" id="{C6DF2FF0-846D-776F-8C98-72F550A73935}"/>
-              </a:ext>
-            </a:extLst>
-          </p:cNvPr>
-          <p:cNvSpPr>
-            <a:spLocks noGrp="1"/>
-          </p:cNvSpPr>
-          <p:nvPr>
-            <p:ph type="title"/>
-          </p:nvPr>
-        </p:nvSpPr>
-        <p:spPr/>
-        <p:txBody>
-          <a:bodyPr/>
-          <a:lstStyle/>
-          <a:p>
-            <a:r>
-              <a:rPr lang="en-US" dirty="0"/>
-              <a:t>Confidence Area</a:t>
-            </a:r>
-          </a:p>
-        </p:txBody>
-      </p:sp>
-      <p:pic>
-        <p:nvPicPr>
-          <p:cNvPr id="16" name="Content Placeholder 15">
-            <a:extLst>
-              <a:ext uri="{FF2B5EF4-FFF2-40B4-BE49-F238E27FC236}">
-                <a16:creationId xmlns:a16="http://schemas.microsoft.com/office/drawing/2014/main" id="{33EB9350-314A-B724-912A-665AD5E28AD2}"/>
-              </a:ext>
-            </a:extLst>
-          </p:cNvPr>
-          <p:cNvPicPr>
-            <a:picLocks noGrp="1" noChangeAspect="1"/>
-          </p:cNvPicPr>
-          <p:nvPr>
-            <p:ph sz="half" idx="1"/>
-          </p:nvPr>
-        </p:nvPicPr>
-        <p:blipFill>
-          <a:blip r:embed="rId2"/>
-          <a:stretch>
-            <a:fillRect/>
-          </a:stretch>
-        </p:blipFill>
-        <p:spPr>
-          <a:xfrm>
-            <a:off x="838200" y="2001683"/>
-            <a:ext cx="5181600" cy="3999222"/>
-          </a:xfrm>
-        </p:spPr>
-      </p:pic>
-    </p:spTree>
-    <p:extLst>
-      <p:ext uri="{BB962C8B-B14F-4D97-AF65-F5344CB8AC3E}">
-        <p14:creationId xmlns:p14="http://schemas.microsoft.com/office/powerpoint/2010/main" val="800879088"/>
-      </p:ext>
-    </p:extLst>
-  </p:cSld>
-  <p:clrMapOvr>
-    <a:masterClrMapping/>
-  </p:clrMapOvr>
-</p:sld>
-</file>
-
-<file path=ppt/slides/slide8.xml><?xml version="1.0" encoding="utf-8"?>
+<file path=ppt/slides/slide9.xml><?xml version="1.0" encoding="utf-8"?>
 <p:sld xmlns:a="http://schemas.openxmlformats.org/drawingml/2006/main" xmlns:r="http://schemas.openxmlformats.org/officeDocument/2006/relationships" xmlns:p="http://schemas.openxmlformats.org/presentationml/2006/main">
   <p:cSld>
     <p:spTree>
